--- a/images_generatpr.pptx
+++ b/images_generatpr.pptx
@@ -3336,7 +3336,7 @@
           <p:nvPr>
             <p:extLst>
               <p:ext uri="{D42A27DB-BD31-4B8C-83A1-F6EECF244321}">
-                <p14:modId xmlns:p14="http://schemas.microsoft.com/office/powerpoint/2010/main" val="2570616561"/>
+                <p14:modId xmlns:p14="http://schemas.microsoft.com/office/powerpoint/2010/main" val="2782114480"/>
               </p:ext>
             </p:extLst>
           </p:nvPr>
